--- a/presentation/docker-cassandra-meetup.pptx
+++ b/presentation/docker-cassandra-meetup.pptx
@@ -146,7 +146,7 @@
       </p14:sectionLst>
     </p:ext>
     <p:ext uri="{EFAFB233-063F-42B5-8137-9DF3F51BA10A}">
-      <p15:sldGuideLst xmlns="" xmlns:p15="http://schemas.microsoft.com/office/powerpoint/2012/main">
+      <p15:sldGuideLst xmlns:p15="http://schemas.microsoft.com/office/powerpoint/2012/main" xmlns="">
         <p15:guide id="1" orient="horz" pos="677" userDrawn="1">
           <p15:clr>
             <a:srgbClr val="A4A3A4"/>
@@ -246,7 +246,7 @@
             <a:fld id="{EA9F7FF7-50CD-D74F-8521-E72DB68B670C}" type="datetimeFigureOut">
               <a:rPr lang="en-US" smtClean="0"/>
               <a:pPr/>
-              <a:t>5/29/16</a:t>
+              <a:t>5/30/16</a:t>
             </a:fld>
             <a:endParaRPr lang="en-US"/>
           </a:p>
@@ -414,7 +414,7 @@
             <a:fld id="{9DD1DD9B-E140-4D76-B427-DF4838D859EA}" type="datetimeFigureOut">
               <a:rPr lang="en-US" smtClean="0"/>
               <a:pPr/>
-              <a:t>5/29/16</a:t>
+              <a:t>5/30/16</a:t>
             </a:fld>
             <a:endParaRPr lang="en-US"/>
           </a:p>
@@ -5452,7 +5452,7 @@
         <p:spPr>
           <a:xfrm>
             <a:off x="3048000" y="1905000"/>
-            <a:ext cx="2595582" cy="595035"/>
+            <a:ext cx="5791200" cy="595035"/>
           </a:xfrm>
           <a:prstGeom prst="rect">
             <a:avLst/>
@@ -5460,7 +5460,7 @@
           <a:noFill/>
         </p:spPr>
         <p:txBody>
-          <a:bodyPr wrap="none" rtlCol="0">
+          <a:bodyPr wrap="square" rtlCol="0">
             <a:spAutoFit/>
           </a:bodyPr>
           <a:lstStyle/>
@@ -5478,7 +5478,17 @@
                 <a:latin typeface="Trebuchet MS"/>
                 <a:cs typeface="Trebuchet MS"/>
               </a:rPr>
-              <a:t>Incredibly fast</a:t>
+              <a:t>Incredibly </a:t>
+            </a:r>
+            <a:r>
+              <a:rPr lang="en-US" sz="2800" b="1" dirty="0" smtClean="0">
+                <a:solidFill>
+                  <a:srgbClr val="444444"/>
+                </a:solidFill>
+                <a:latin typeface="Trebuchet MS"/>
+                <a:cs typeface="Trebuchet MS"/>
+              </a:rPr>
+              <a:t>fast container creation</a:t>
             </a:r>
             <a:endParaRPr lang="en-US" sz="2800" b="1" dirty="0">
               <a:solidFill>

--- a/presentation/docker-cassandra-meetup.pptx
+++ b/presentation/docker-cassandra-meetup.pptx
@@ -146,7 +146,7 @@
       </p14:sectionLst>
     </p:ext>
     <p:ext uri="{EFAFB233-063F-42B5-8137-9DF3F51BA10A}">
-      <p15:sldGuideLst xmlns:p15="http://schemas.microsoft.com/office/powerpoint/2012/main" xmlns="">
+      <p15:sldGuideLst xmlns="" xmlns:p15="http://schemas.microsoft.com/office/powerpoint/2012/main">
         <p15:guide id="1" orient="horz" pos="677" userDrawn="1">
           <p15:clr>
             <a:srgbClr val="A4A3A4"/>
@@ -5478,17 +5478,7 @@
                 <a:latin typeface="Trebuchet MS"/>
                 <a:cs typeface="Trebuchet MS"/>
               </a:rPr>
-              <a:t>Incredibly </a:t>
-            </a:r>
-            <a:r>
-              <a:rPr lang="en-US" sz="2800" b="1" dirty="0" smtClean="0">
-                <a:solidFill>
-                  <a:srgbClr val="444444"/>
-                </a:solidFill>
-                <a:latin typeface="Trebuchet MS"/>
-                <a:cs typeface="Trebuchet MS"/>
-              </a:rPr>
-              <a:t>fast container creation</a:t>
+              <a:t>Incredibly fast container creation</a:t>
             </a:r>
             <a:endParaRPr lang="en-US" sz="2800" b="1" dirty="0">
               <a:solidFill>
@@ -5768,36 +5758,9 @@
           <a:chExt cx="0" cy="0"/>
         </a:xfrm>
       </p:grpSpPr>
-      <p:sp>
-        <p:nvSpPr>
-          <p:cNvPr id="2" name="Text Placeholder 1"/>
-          <p:cNvSpPr>
-            <a:spLocks noGrp="1"/>
-          </p:cNvSpPr>
-          <p:nvPr>
-            <p:ph type="body" sz="quarter" idx="10"/>
-          </p:nvPr>
-        </p:nvSpPr>
-        <p:spPr>
-          <a:prstGeom prst="rect">
-            <a:avLst/>
-          </a:prstGeom>
-        </p:spPr>
-        <p:txBody>
-          <a:bodyPr/>
-          <a:lstStyle/>
-          <a:p>
-            <a:r>
-              <a:rPr lang="en-US" dirty="0" smtClean="0"/>
-              <a:t>DEMO #1 – CASSANDRA OFFICIAL IMAGE</a:t>
-            </a:r>
-            <a:endParaRPr lang="en-US" dirty="0"/>
-          </a:p>
-        </p:txBody>
-      </p:sp>
       <p:pic>
         <p:nvPicPr>
-          <p:cNvPr id="6" name="Picture 5" descr="github.png"/>
+          <p:cNvPr id="4" name="Picture 3" descr="demo1-summary.png"/>
           <p:cNvPicPr>
             <a:picLocks noChangeAspect="1"/>
           </p:cNvPicPr>
@@ -5817,7 +5780,64 @@
         </p:blipFill>
         <p:spPr>
           <a:xfrm>
-            <a:off x="381000" y="1371600"/>
+            <a:off x="228600" y="3048000"/>
+            <a:ext cx="6413500" cy="2590800"/>
+          </a:xfrm>
+          <a:prstGeom prst="rect">
+            <a:avLst/>
+          </a:prstGeom>
+        </p:spPr>
+      </p:pic>
+      <p:sp>
+        <p:nvSpPr>
+          <p:cNvPr id="2" name="Text Placeholder 1"/>
+          <p:cNvSpPr>
+            <a:spLocks noGrp="1"/>
+          </p:cNvSpPr>
+          <p:nvPr>
+            <p:ph type="body" sz="quarter" idx="10"/>
+          </p:nvPr>
+        </p:nvSpPr>
+        <p:spPr>
+          <a:prstGeom prst="rect">
+            <a:avLst/>
+          </a:prstGeom>
+        </p:spPr>
+        <p:txBody>
+          <a:bodyPr/>
+          <a:lstStyle/>
+          <a:p>
+            <a:r>
+              <a:rPr lang="en-US" dirty="0" smtClean="0"/>
+              <a:t>DEMO #1 – CASSANDRA OFFICIAL IMAGE</a:t>
+            </a:r>
+            <a:endParaRPr lang="en-US" dirty="0"/>
+          </a:p>
+        </p:txBody>
+      </p:sp>
+      <p:pic>
+        <p:nvPicPr>
+          <p:cNvPr id="6" name="Picture 5" descr="github.png"/>
+          <p:cNvPicPr>
+            <a:picLocks noChangeAspect="1"/>
+          </p:cNvPicPr>
+          <p:nvPr/>
+        </p:nvPicPr>
+        <p:blipFill>
+          <a:blip r:embed="rId4">
+            <a:extLst>
+              <a:ext uri="{28A0092B-C50C-407E-A947-70E740481C1C}">
+                <a14:useLocalDpi xmlns:a14="http://schemas.microsoft.com/office/drawing/2010/main" val="0"/>
+              </a:ext>
+            </a:extLst>
+          </a:blip>
+          <a:stretch>
+            <a:fillRect/>
+          </a:stretch>
+        </p:blipFill>
+        <p:spPr>
+          <a:xfrm>
+            <a:off x="304800" y="1143000"/>
             <a:ext cx="1930400" cy="1930400"/>
           </a:xfrm>
           <a:prstGeom prst="rect">
@@ -5833,7 +5853,7 @@
         </p:nvSpPr>
         <p:spPr>
           <a:xfrm>
-            <a:off x="2590800" y="1828800"/>
+            <a:off x="2438400" y="1524000"/>
             <a:ext cx="3762568" cy="451406"/>
           </a:xfrm>
           <a:prstGeom prst="rect">
@@ -5868,14 +5888,14 @@
       <p:sp>
         <p:nvSpPr>
           <p:cNvPr id="8" name="TextBox 7">
-            <a:hlinkClick r:id="rId4"/>
+            <a:hlinkClick r:id="rId5"/>
           </p:cNvPr>
           <p:cNvSpPr txBox="1"/>
           <p:nvPr/>
         </p:nvSpPr>
         <p:spPr>
           <a:xfrm>
-            <a:off x="2590800" y="2362200"/>
+            <a:off x="2438400" y="2057400"/>
             <a:ext cx="6058069" cy="451406"/>
           </a:xfrm>
           <a:prstGeom prst="rect">
@@ -5992,14 +6012,14 @@
           <p:nvPr>
             <p:extLst>
               <p:ext uri="{D42A27DB-BD31-4B8C-83A1-F6EECF244321}">
-                <p14:modId xmlns:p14="http://schemas.microsoft.com/office/powerpoint/2010/main" val="3187325178"/>
+                <p14:modId xmlns:p14="http://schemas.microsoft.com/office/powerpoint/2010/main" val="3958795599"/>
               </p:ext>
             </p:extLst>
           </p:nvPr>
         </p:nvGraphicFramePr>
         <p:xfrm>
-          <a:off x="1219200" y="4800600"/>
-          <a:ext cx="6096000" cy="1483360"/>
+          <a:off x="3581400" y="4770906"/>
+          <a:ext cx="5181600" cy="1513052"/>
         </p:xfrm>
         <a:graphic>
           <a:graphicData uri="http://schemas.openxmlformats.org/drawingml/2006/table">
@@ -6008,11 +6028,11 @@
                 <a:tableStyleId>{69C7853C-536D-4A76-A0AE-DD22124D55A5}</a:tableStyleId>
               </a:tblPr>
               <a:tblGrid>
-                <a:gridCol w="2032000"/>
-                <a:gridCol w="2032000"/>
-                <a:gridCol w="2032000"/>
+                <a:gridCol w="1727200"/>
+                <a:gridCol w="1727200"/>
+                <a:gridCol w="1727200"/>
               </a:tblGrid>
-              <a:tr h="370840">
+              <a:tr h="331631">
                 <a:tc>
                   <a:txBody>
                     <a:bodyPr/>
@@ -6060,7 +6080,7 @@
                   <a:tcPr/>
                 </a:tc>
               </a:tr>
-              <a:tr h="370840">
+              <a:tr h="331631">
                 <a:tc>
                   <a:txBody>
                     <a:bodyPr/>
@@ -6108,7 +6128,7 @@
                   <a:tcPr/>
                 </a:tc>
               </a:tr>
-              <a:tr h="370840">
+              <a:tr h="331631">
                 <a:tc>
                   <a:txBody>
                     <a:bodyPr/>
@@ -6152,7 +6172,7 @@
                   <a:tcPr/>
                 </a:tc>
               </a:tr>
-              <a:tr h="370840">
+              <a:tr h="488467">
                 <a:tc>
                   <a:txBody>
                     <a:bodyPr/>
@@ -6213,7 +6233,194 @@
   <p:timing>
     <p:tnLst>
       <p:par>
-        <p:cTn xmlns:p14="http://schemas.microsoft.com/office/powerpoint/2010/main" id="1" dur="indefinite" restart="never" nodeType="tmRoot"/>
+        <p:cTn xmlns:p14="http://schemas.microsoft.com/office/powerpoint/2010/main" id="1" dur="indefinite" restart="never" nodeType="tmRoot">
+          <p:childTnLst>
+            <p:seq concurrent="1" nextAc="seek">
+              <p:cTn id="2" dur="indefinite" nodeType="mainSeq">
+                <p:childTnLst>
+                  <p:par>
+                    <p:cTn id="3" fill="hold">
+                      <p:stCondLst>
+                        <p:cond delay="indefinite"/>
+                      </p:stCondLst>
+                      <p:childTnLst>
+                        <p:par>
+                          <p:cTn id="4" fill="hold">
+                            <p:stCondLst>
+                              <p:cond delay="0"/>
+                            </p:stCondLst>
+                            <p:childTnLst>
+                              <p:par>
+                                <p:cTn id="5" presetID="2" presetClass="entr" presetSubtype="4" fill="hold" nodeType="clickEffect">
+                                  <p:stCondLst>
+                                    <p:cond delay="0"/>
+                                  </p:stCondLst>
+                                  <p:childTnLst>
+                                    <p:set>
+                                      <p:cBhvr>
+                                        <p:cTn id="6" dur="1" fill="hold">
+                                          <p:stCondLst>
+                                            <p:cond delay="0"/>
+                                          </p:stCondLst>
+                                        </p:cTn>
+                                        <p:tgtEl>
+                                          <p:spTgt spid="4"/>
+                                        </p:tgtEl>
+                                        <p:attrNameLst>
+                                          <p:attrName>style.visibility</p:attrName>
+                                        </p:attrNameLst>
+                                      </p:cBhvr>
+                                      <p:to>
+                                        <p:strVal val="visible"/>
+                                      </p:to>
+                                    </p:set>
+                                    <p:anim calcmode="lin" valueType="num">
+                                      <p:cBhvr additive="base">
+                                        <p:cTn id="7" dur="500" fill="hold"/>
+                                        <p:tgtEl>
+                                          <p:spTgt spid="4"/>
+                                        </p:tgtEl>
+                                        <p:attrNameLst>
+                                          <p:attrName>ppt_x</p:attrName>
+                                        </p:attrNameLst>
+                                      </p:cBhvr>
+                                      <p:tavLst>
+                                        <p:tav tm="0">
+                                          <p:val>
+                                            <p:strVal val="#ppt_x"/>
+                                          </p:val>
+                                        </p:tav>
+                                        <p:tav tm="100000">
+                                          <p:val>
+                                            <p:strVal val="#ppt_x"/>
+                                          </p:val>
+                                        </p:tav>
+                                      </p:tavLst>
+                                    </p:anim>
+                                    <p:anim calcmode="lin" valueType="num">
+                                      <p:cBhvr additive="base">
+                                        <p:cTn id="8" dur="500" fill="hold"/>
+                                        <p:tgtEl>
+                                          <p:spTgt spid="4"/>
+                                        </p:tgtEl>
+                                        <p:attrNameLst>
+                                          <p:attrName>ppt_y</p:attrName>
+                                        </p:attrNameLst>
+                                      </p:cBhvr>
+                                      <p:tavLst>
+                                        <p:tav tm="0">
+                                          <p:val>
+                                            <p:strVal val="1+#ppt_h/2"/>
+                                          </p:val>
+                                        </p:tav>
+                                        <p:tav tm="100000">
+                                          <p:val>
+                                            <p:strVal val="#ppt_y"/>
+                                          </p:val>
+                                        </p:tav>
+                                      </p:tavLst>
+                                    </p:anim>
+                                  </p:childTnLst>
+                                </p:cTn>
+                              </p:par>
+                              <p:par>
+                                <p:cTn id="9" presetID="2" presetClass="entr" presetSubtype="4" fill="hold" nodeType="withEffect">
+                                  <p:stCondLst>
+                                    <p:cond delay="0"/>
+                                  </p:stCondLst>
+                                  <p:childTnLst>
+                                    <p:set>
+                                      <p:cBhvr>
+                                        <p:cTn id="10" dur="1" fill="hold">
+                                          <p:stCondLst>
+                                            <p:cond delay="0"/>
+                                          </p:stCondLst>
+                                        </p:cTn>
+                                        <p:tgtEl>
+                                          <p:spTgt spid="9"/>
+                                        </p:tgtEl>
+                                        <p:attrNameLst>
+                                          <p:attrName>style.visibility</p:attrName>
+                                        </p:attrNameLst>
+                                      </p:cBhvr>
+                                      <p:to>
+                                        <p:strVal val="visible"/>
+                                      </p:to>
+                                    </p:set>
+                                    <p:anim calcmode="lin" valueType="num">
+                                      <p:cBhvr additive="base">
+                                        <p:cTn id="11" dur="500" fill="hold"/>
+                                        <p:tgtEl>
+                                          <p:spTgt spid="9"/>
+                                        </p:tgtEl>
+                                        <p:attrNameLst>
+                                          <p:attrName>ppt_x</p:attrName>
+                                        </p:attrNameLst>
+                                      </p:cBhvr>
+                                      <p:tavLst>
+                                        <p:tav tm="0">
+                                          <p:val>
+                                            <p:strVal val="#ppt_x"/>
+                                          </p:val>
+                                        </p:tav>
+                                        <p:tav tm="100000">
+                                          <p:val>
+                                            <p:strVal val="#ppt_x"/>
+                                          </p:val>
+                                        </p:tav>
+                                      </p:tavLst>
+                                    </p:anim>
+                                    <p:anim calcmode="lin" valueType="num">
+                                      <p:cBhvr additive="base">
+                                        <p:cTn id="12" dur="500" fill="hold"/>
+                                        <p:tgtEl>
+                                          <p:spTgt spid="9"/>
+                                        </p:tgtEl>
+                                        <p:attrNameLst>
+                                          <p:attrName>ppt_y</p:attrName>
+                                        </p:attrNameLst>
+                                      </p:cBhvr>
+                                      <p:tavLst>
+                                        <p:tav tm="0">
+                                          <p:val>
+                                            <p:strVal val="1+#ppt_h/2"/>
+                                          </p:val>
+                                        </p:tav>
+                                        <p:tav tm="100000">
+                                          <p:val>
+                                            <p:strVal val="#ppt_y"/>
+                                          </p:val>
+                                        </p:tav>
+                                      </p:tavLst>
+                                    </p:anim>
+                                  </p:childTnLst>
+                                </p:cTn>
+                              </p:par>
+                            </p:childTnLst>
+                          </p:cTn>
+                        </p:par>
+                      </p:childTnLst>
+                    </p:cTn>
+                  </p:par>
+                </p:childTnLst>
+              </p:cTn>
+              <p:prevCondLst>
+                <p:cond evt="onPrev" delay="0">
+                  <p:tgtEl>
+                    <p:sldTgt/>
+                  </p:tgtEl>
+                </p:cond>
+              </p:prevCondLst>
+              <p:nextCondLst>
+                <p:cond evt="onNext" delay="0">
+                  <p:tgtEl>
+                    <p:sldTgt/>
+                  </p:tgtEl>
+                </p:cond>
+              </p:nextCondLst>
+            </p:seq>
+          </p:childTnLst>
+        </p:cTn>
       </p:par>
     </p:tnLst>
   </p:timing>
